--- a/slide/themes/src/04_official.pptx
+++ b/slide/themes/src/04_official.pptx
@@ -492,16 +492,16 @@
           </a:lstStyle>
           <a:p>
             <a:r>
-              <a:rPr lang="ru-RU" dirty="0" smtClean="0"/>
-              <a:t>Образец подзаголовка</a:t>
+              <a:rPr lang="en-US" dirty="0" smtClean="0"/>
+              <a:t>Click to edit Master subtitle style</a:t>
             </a:r>
-            <a:endParaRPr lang="ru-RU" dirty="0"/>
+            <a:endParaRPr lang="en-US" dirty="0"/>
           </a:p>
         </p:txBody>
       </p:sp>
       <p:sp>
         <p:nvSpPr>
-          <p:cNvPr id="2" name="Заголовок 1"/>
+          <p:cNvPr id="2" name="Title 1"/>
           <p:cNvSpPr>
             <a:spLocks noGrp="1"/>
           </p:cNvSpPr>
@@ -524,16 +524,16 @@
           </a:lstStyle>
           <a:p>
             <a:r>
-              <a:rPr lang="ru-RU" dirty="0" smtClean="0"/>
-              <a:t>Образец заголовка</a:t>
+              <a:rPr lang="en-US" dirty="0" smtClean="0"/>
+              <a:t>Click to edit Master title style</a:t>
             </a:r>
-            <a:endParaRPr lang="ru-RU" dirty="0"/>
+            <a:endParaRPr lang="en-US" dirty="0"/>
           </a:p>
         </p:txBody>
       </p:sp>
       <p:sp>
         <p:nvSpPr>
-          <p:cNvPr id="11" name="Дата 10"/>
+          <p:cNvPr id="11" name="Date Placeholder 10"/>
           <p:cNvSpPr>
             <a:spLocks noGrp="1"/>
           </p:cNvSpPr>
@@ -547,17 +547,17 @@
           <a:lstStyle/>
           <a:p>
             <a:fld id="{B7184183-74E9-4393-9769-E1D9236041BE}" type="datetimeFigureOut">
-              <a:rPr lang="ru-RU" smtClean="0"/>
+              <a:rPr lang="en-US" smtClean="0"/>
               <a:pPr/>
               <a:t>22.10.2013</a:t>
             </a:fld>
-            <a:endParaRPr lang="ru-RU" dirty="0"/>
+            <a:endParaRPr lang="en-US" dirty="0"/>
           </a:p>
         </p:txBody>
       </p:sp>
       <p:sp>
         <p:nvSpPr>
-          <p:cNvPr id="12" name="Нижний колонтитул 11"/>
+          <p:cNvPr id="12" name="Footer Placeholder 11"/>
           <p:cNvSpPr>
             <a:spLocks noGrp="1"/>
           </p:cNvSpPr>
@@ -570,13 +570,13 @@
           <a:bodyPr/>
           <a:lstStyle/>
           <a:p>
-            <a:endParaRPr lang="ru-RU" dirty="0"/>
+            <a:endParaRPr lang="en-US" dirty="0"/>
           </a:p>
         </p:txBody>
       </p:sp>
       <p:sp>
         <p:nvSpPr>
-          <p:cNvPr id="13" name="Номер слайда 12"/>
+          <p:cNvPr id="13" name="Slide Number Placeholder 12"/>
           <p:cNvSpPr>
             <a:spLocks noGrp="1"/>
           </p:cNvSpPr>
@@ -590,11 +590,11 @@
           <a:lstStyle/>
           <a:p>
             <a:fld id="{6A530004-958A-4E15-9840-E9741BECB0F3}" type="slidenum">
-              <a:rPr lang="ru-RU" smtClean="0"/>
+              <a:rPr lang="en-US" smtClean="0"/>
               <a:pPr/>
               <a:t>‹#›</a:t>
             </a:fld>
-            <a:endParaRPr lang="ru-RU" dirty="0"/>
+            <a:endParaRPr lang="en-US" dirty="0"/>
           </a:p>
         </p:txBody>
       </p:sp>
@@ -632,7 +632,7 @@
       </p:grpSpPr>
       <p:sp>
         <p:nvSpPr>
-          <p:cNvPr id="2" name="Заголовок 1"/>
+          <p:cNvPr id="2" name="Title 1"/>
           <p:cNvSpPr>
             <a:spLocks noGrp="1"/>
           </p:cNvSpPr>
@@ -646,16 +646,16 @@
           <a:lstStyle/>
           <a:p>
             <a:r>
-              <a:rPr lang="ru-RU" smtClean="0"/>
-              <a:t>Образец заголовка</a:t>
+              <a:rPr lang="en-US" smtClean="0"/>
+              <a:t>Click to edit Master title style</a:t>
             </a:r>
-            <a:endParaRPr lang="ru-RU"/>
+            <a:endParaRPr lang="en-US"/>
           </a:p>
         </p:txBody>
       </p:sp>
       <p:sp>
         <p:nvSpPr>
-          <p:cNvPr id="3" name="Вертикальный текст 2"/>
+          <p:cNvPr id="3" name="Vertical Text Placeholder 2"/>
           <p:cNvSpPr>
             <a:spLocks noGrp="1"/>
           </p:cNvSpPr>
@@ -670,44 +670,44 @@
           <a:p>
             <a:pPr lvl="0"/>
             <a:r>
-              <a:rPr lang="ru-RU" smtClean="0"/>
-              <a:t>Образец текста</a:t>
+              <a:rPr lang="en-US" smtClean="0"/>
+              <a:t>Click to edit Master text styles</a:t>
             </a:r>
           </a:p>
           <a:p>
             <a:pPr lvl="1"/>
             <a:r>
-              <a:rPr lang="ru-RU" smtClean="0"/>
-              <a:t>Второй уровень</a:t>
+              <a:rPr lang="en-US" smtClean="0"/>
+              <a:t>Second level</a:t>
             </a:r>
           </a:p>
           <a:p>
             <a:pPr lvl="2"/>
             <a:r>
-              <a:rPr lang="ru-RU" smtClean="0"/>
-              <a:t>Третий уровень</a:t>
+              <a:rPr lang="en-US" smtClean="0"/>
+              <a:t>Third level</a:t>
             </a:r>
           </a:p>
           <a:p>
             <a:pPr lvl="3"/>
             <a:r>
-              <a:rPr lang="ru-RU" smtClean="0"/>
-              <a:t>Четвертый уровень</a:t>
+              <a:rPr lang="en-US" smtClean="0"/>
+              <a:t>Fourth level</a:t>
             </a:r>
           </a:p>
           <a:p>
             <a:pPr lvl="4"/>
             <a:r>
-              <a:rPr lang="ru-RU" smtClean="0"/>
-              <a:t>Пятый уровень</a:t>
+              <a:rPr lang="en-US" smtClean="0"/>
+              <a:t>Fifth level</a:t>
             </a:r>
-            <a:endParaRPr lang="ru-RU"/>
+            <a:endParaRPr lang="en-US"/>
           </a:p>
         </p:txBody>
       </p:sp>
       <p:sp>
         <p:nvSpPr>
-          <p:cNvPr id="4" name="Дата 3"/>
+          <p:cNvPr id="4" name="Date Placeholder 3"/>
           <p:cNvSpPr>
             <a:spLocks noGrp="1"/>
           </p:cNvSpPr>
@@ -721,17 +721,17 @@
           <a:lstStyle/>
           <a:p>
             <a:fld id="{B7184183-74E9-4393-9769-E1D9236041BE}" type="datetimeFigureOut">
-              <a:rPr lang="ru-RU" smtClean="0"/>
+              <a:rPr lang="en-US" smtClean="0"/>
               <a:pPr/>
               <a:t>22.10.2013</a:t>
             </a:fld>
-            <a:endParaRPr lang="ru-RU" dirty="0"/>
+            <a:endParaRPr lang="en-US" dirty="0"/>
           </a:p>
         </p:txBody>
       </p:sp>
       <p:sp>
         <p:nvSpPr>
-          <p:cNvPr id="5" name="Нижний колонтитул 4"/>
+          <p:cNvPr id="5" name="Footer Placeholder 4"/>
           <p:cNvSpPr>
             <a:spLocks noGrp="1"/>
           </p:cNvSpPr>
@@ -744,13 +744,13 @@
           <a:bodyPr/>
           <a:lstStyle/>
           <a:p>
-            <a:endParaRPr lang="ru-RU" dirty="0"/>
+            <a:endParaRPr lang="en-US" dirty="0"/>
           </a:p>
         </p:txBody>
       </p:sp>
       <p:sp>
         <p:nvSpPr>
-          <p:cNvPr id="6" name="Номер слайда 5"/>
+          <p:cNvPr id="6" name="Slide Number Placeholder 5"/>
           <p:cNvSpPr>
             <a:spLocks noGrp="1"/>
           </p:cNvSpPr>
@@ -764,11 +764,11 @@
           <a:lstStyle/>
           <a:p>
             <a:fld id="{6A530004-958A-4E15-9840-E9741BECB0F3}" type="slidenum">
-              <a:rPr lang="ru-RU" smtClean="0"/>
+              <a:rPr lang="en-US" smtClean="0"/>
               <a:pPr/>
               <a:t>‹#›</a:t>
             </a:fld>
-            <a:endParaRPr lang="ru-RU" dirty="0"/>
+            <a:endParaRPr lang="en-US" dirty="0"/>
           </a:p>
         </p:txBody>
       </p:sp>
@@ -811,7 +811,7 @@
       </p:grpSpPr>
       <p:sp>
         <p:nvSpPr>
-          <p:cNvPr id="2" name="Вертикальный заголовок 1"/>
+          <p:cNvPr id="2" name="Vertical Title 1"/>
           <p:cNvSpPr>
             <a:spLocks noGrp="1"/>
           </p:cNvSpPr>
@@ -830,16 +830,16 @@
           <a:lstStyle/>
           <a:p>
             <a:r>
-              <a:rPr lang="ru-RU" smtClean="0"/>
-              <a:t>Образец заголовка</a:t>
+              <a:rPr lang="en-US" smtClean="0"/>
+              <a:t>Click to edit Master title style</a:t>
             </a:r>
-            <a:endParaRPr lang="ru-RU"/>
+            <a:endParaRPr lang="en-US"/>
           </a:p>
         </p:txBody>
       </p:sp>
       <p:sp>
         <p:nvSpPr>
-          <p:cNvPr id="3" name="Вертикальный текст 2"/>
+          <p:cNvPr id="3" name="Vertical Text Placeholder 2"/>
           <p:cNvSpPr>
             <a:spLocks noGrp="1"/>
           </p:cNvSpPr>
@@ -859,44 +859,44 @@
           <a:p>
             <a:pPr lvl="0"/>
             <a:r>
-              <a:rPr lang="ru-RU" smtClean="0"/>
-              <a:t>Образец текста</a:t>
+              <a:rPr lang="en-US" smtClean="0"/>
+              <a:t>Click to edit Master text styles</a:t>
             </a:r>
           </a:p>
           <a:p>
             <a:pPr lvl="1"/>
             <a:r>
-              <a:rPr lang="ru-RU" smtClean="0"/>
-              <a:t>Второй уровень</a:t>
+              <a:rPr lang="en-US" smtClean="0"/>
+              <a:t>Second level</a:t>
             </a:r>
           </a:p>
           <a:p>
             <a:pPr lvl="2"/>
             <a:r>
-              <a:rPr lang="ru-RU" smtClean="0"/>
-              <a:t>Третий уровень</a:t>
+              <a:rPr lang="en-US" smtClean="0"/>
+              <a:t>Third level</a:t>
             </a:r>
           </a:p>
           <a:p>
             <a:pPr lvl="3"/>
             <a:r>
-              <a:rPr lang="ru-RU" smtClean="0"/>
-              <a:t>Четвертый уровень</a:t>
+              <a:rPr lang="en-US" smtClean="0"/>
+              <a:t>Fourth level</a:t>
             </a:r>
           </a:p>
           <a:p>
             <a:pPr lvl="4"/>
             <a:r>
-              <a:rPr lang="ru-RU" smtClean="0"/>
-              <a:t>Пятый уровень</a:t>
+              <a:rPr lang="en-US" smtClean="0"/>
+              <a:t>Fifth level</a:t>
             </a:r>
-            <a:endParaRPr lang="ru-RU"/>
+            <a:endParaRPr lang="en-US"/>
           </a:p>
         </p:txBody>
       </p:sp>
       <p:sp>
         <p:nvSpPr>
-          <p:cNvPr id="4" name="Дата 3"/>
+          <p:cNvPr id="4" name="Date Placeholder 3"/>
           <p:cNvSpPr>
             <a:spLocks noGrp="1"/>
           </p:cNvSpPr>
@@ -910,17 +910,17 @@
           <a:lstStyle/>
           <a:p>
             <a:fld id="{B7184183-74E9-4393-9769-E1D9236041BE}" type="datetimeFigureOut">
-              <a:rPr lang="ru-RU" smtClean="0"/>
+              <a:rPr lang="en-US" smtClean="0"/>
               <a:pPr/>
               <a:t>22.10.2013</a:t>
             </a:fld>
-            <a:endParaRPr lang="ru-RU" dirty="0"/>
+            <a:endParaRPr lang="en-US" dirty="0"/>
           </a:p>
         </p:txBody>
       </p:sp>
       <p:sp>
         <p:nvSpPr>
-          <p:cNvPr id="5" name="Нижний колонтитул 4"/>
+          <p:cNvPr id="5" name="Footer Placeholder 4"/>
           <p:cNvSpPr>
             <a:spLocks noGrp="1"/>
           </p:cNvSpPr>
@@ -933,13 +933,13 @@
           <a:bodyPr/>
           <a:lstStyle/>
           <a:p>
-            <a:endParaRPr lang="ru-RU" dirty="0"/>
+            <a:endParaRPr lang="en-US" dirty="0"/>
           </a:p>
         </p:txBody>
       </p:sp>
       <p:sp>
         <p:nvSpPr>
-          <p:cNvPr id="6" name="Номер слайда 5"/>
+          <p:cNvPr id="6" name="Slide Number Placeholder 5"/>
           <p:cNvSpPr>
             <a:spLocks noGrp="1"/>
           </p:cNvSpPr>
@@ -953,11 +953,11 @@
           <a:lstStyle/>
           <a:p>
             <a:fld id="{6A530004-958A-4E15-9840-E9741BECB0F3}" type="slidenum">
-              <a:rPr lang="ru-RU" smtClean="0"/>
+              <a:rPr lang="en-US" smtClean="0"/>
               <a:pPr/>
               <a:t>‹#›</a:t>
             </a:fld>
-            <a:endParaRPr lang="ru-RU" dirty="0"/>
+            <a:endParaRPr lang="en-US" dirty="0"/>
           </a:p>
         </p:txBody>
       </p:sp>
@@ -1000,7 +1000,7 @@
       </p:grpSpPr>
       <p:sp>
         <p:nvSpPr>
-          <p:cNvPr id="2" name="Заголовок 1"/>
+          <p:cNvPr id="2" name="Title 1"/>
           <p:cNvSpPr>
             <a:spLocks noGrp="1"/>
           </p:cNvSpPr>
@@ -1014,16 +1014,16 @@
           <a:lstStyle/>
           <a:p>
             <a:r>
-              <a:rPr lang="ru-RU" smtClean="0"/>
-              <a:t>Образец заголовка</a:t>
+              <a:rPr lang="en-US" smtClean="0"/>
+              <a:t>Click to edit Master title style</a:t>
             </a:r>
-            <a:endParaRPr lang="ru-RU"/>
+            <a:endParaRPr lang="en-US"/>
           </a:p>
         </p:txBody>
       </p:sp>
       <p:sp>
         <p:nvSpPr>
-          <p:cNvPr id="3" name="Объект 2"/>
+          <p:cNvPr id="3" name="Content Placeholder 2"/>
           <p:cNvSpPr>
             <a:spLocks noGrp="1"/>
           </p:cNvSpPr>
@@ -1038,44 +1038,44 @@
           <a:p>
             <a:pPr lvl="0"/>
             <a:r>
-              <a:rPr lang="ru-RU" smtClean="0"/>
-              <a:t>Образец текста</a:t>
+              <a:rPr lang="en-US" smtClean="0"/>
+              <a:t>Click to edit Master text styles</a:t>
             </a:r>
           </a:p>
           <a:p>
             <a:pPr lvl="1"/>
             <a:r>
-              <a:rPr lang="ru-RU" smtClean="0"/>
-              <a:t>Второй уровень</a:t>
+              <a:rPr lang="en-US" smtClean="0"/>
+              <a:t>Second level</a:t>
             </a:r>
           </a:p>
           <a:p>
             <a:pPr lvl="2"/>
             <a:r>
-              <a:rPr lang="ru-RU" smtClean="0"/>
-              <a:t>Третий уровень</a:t>
+              <a:rPr lang="en-US" smtClean="0"/>
+              <a:t>Third level</a:t>
             </a:r>
           </a:p>
           <a:p>
             <a:pPr lvl="3"/>
             <a:r>
-              <a:rPr lang="ru-RU" smtClean="0"/>
-              <a:t>Четвертый уровень</a:t>
+              <a:rPr lang="en-US" smtClean="0"/>
+              <a:t>Fourth level</a:t>
             </a:r>
           </a:p>
           <a:p>
             <a:pPr lvl="4"/>
             <a:r>
-              <a:rPr lang="ru-RU" smtClean="0"/>
-              <a:t>Пятый уровень</a:t>
+              <a:rPr lang="en-US" smtClean="0"/>
+              <a:t>Fifth level</a:t>
             </a:r>
-            <a:endParaRPr lang="ru-RU"/>
+            <a:endParaRPr lang="en-US"/>
           </a:p>
         </p:txBody>
       </p:sp>
       <p:sp>
         <p:nvSpPr>
-          <p:cNvPr id="4" name="Дата 3"/>
+          <p:cNvPr id="4" name="Date Placeholder 3"/>
           <p:cNvSpPr>
             <a:spLocks noGrp="1"/>
           </p:cNvSpPr>
@@ -1089,17 +1089,17 @@
           <a:lstStyle/>
           <a:p>
             <a:fld id="{B7184183-74E9-4393-9769-E1D9236041BE}" type="datetimeFigureOut">
-              <a:rPr lang="ru-RU" smtClean="0"/>
+              <a:rPr lang="en-US" smtClean="0"/>
               <a:pPr/>
               <a:t>22.10.2013</a:t>
             </a:fld>
-            <a:endParaRPr lang="ru-RU" dirty="0"/>
+            <a:endParaRPr lang="en-US" dirty="0"/>
           </a:p>
         </p:txBody>
       </p:sp>
       <p:sp>
         <p:nvSpPr>
-          <p:cNvPr id="5" name="Нижний колонтитул 4"/>
+          <p:cNvPr id="5" name="Footer Placeholder 4"/>
           <p:cNvSpPr>
             <a:spLocks noGrp="1"/>
           </p:cNvSpPr>
@@ -1112,13 +1112,13 @@
           <a:bodyPr/>
           <a:lstStyle/>
           <a:p>
-            <a:endParaRPr lang="ru-RU" dirty="0"/>
+            <a:endParaRPr lang="en-US" dirty="0"/>
           </a:p>
         </p:txBody>
       </p:sp>
       <p:sp>
         <p:nvSpPr>
-          <p:cNvPr id="6" name="Номер слайда 5"/>
+          <p:cNvPr id="6" name="Slide Number Placeholder 5"/>
           <p:cNvSpPr>
             <a:spLocks noGrp="1"/>
           </p:cNvSpPr>
@@ -1132,11 +1132,11 @@
           <a:lstStyle/>
           <a:p>
             <a:fld id="{6A530004-958A-4E15-9840-E9741BECB0F3}" type="slidenum">
-              <a:rPr lang="ru-RU" smtClean="0"/>
+              <a:rPr lang="en-US" smtClean="0"/>
               <a:pPr/>
               <a:t>‹#›</a:t>
             </a:fld>
-            <a:endParaRPr lang="ru-RU" dirty="0"/>
+            <a:endParaRPr lang="en-US" dirty="0"/>
           </a:p>
         </p:txBody>
       </p:sp>
@@ -1179,7 +1179,7 @@
       </p:grpSpPr>
       <p:sp>
         <p:nvSpPr>
-          <p:cNvPr id="2" name="Заголовок 1"/>
+          <p:cNvPr id="2" name="Title 1"/>
           <p:cNvSpPr>
             <a:spLocks noGrp="1"/>
           </p:cNvSpPr>
@@ -1202,16 +1202,16 @@
           </a:lstStyle>
           <a:p>
             <a:r>
-              <a:rPr lang="ru-RU" smtClean="0"/>
-              <a:t>Образец заголовка</a:t>
+              <a:rPr lang="en-US" smtClean="0"/>
+              <a:t>Click to edit Master title style</a:t>
             </a:r>
-            <a:endParaRPr lang="ru-RU"/>
+            <a:endParaRPr lang="en-US"/>
           </a:p>
         </p:txBody>
       </p:sp>
       <p:sp>
         <p:nvSpPr>
-          <p:cNvPr id="3" name="Текст 2"/>
+          <p:cNvPr id="3" name="Text Placeholder 2"/>
           <p:cNvSpPr>
             <a:spLocks noGrp="1"/>
           </p:cNvSpPr>
@@ -1322,15 +1322,15 @@
           <a:p>
             <a:pPr lvl="0"/>
             <a:r>
-              <a:rPr lang="ru-RU" dirty="0" smtClean="0"/>
-              <a:t>Образец текста</a:t>
+              <a:rPr lang="en-US" dirty="0" smtClean="0"/>
+              <a:t>Click to edit Master text styles</a:t>
             </a:r>
           </a:p>
         </p:txBody>
       </p:sp>
       <p:sp>
         <p:nvSpPr>
-          <p:cNvPr id="4" name="Дата 3"/>
+          <p:cNvPr id="4" name="Date Placeholder 3"/>
           <p:cNvSpPr>
             <a:spLocks noGrp="1"/>
           </p:cNvSpPr>
@@ -1344,17 +1344,17 @@
           <a:lstStyle/>
           <a:p>
             <a:fld id="{B7184183-74E9-4393-9769-E1D9236041BE}" type="datetimeFigureOut">
-              <a:rPr lang="ru-RU" smtClean="0"/>
+              <a:rPr lang="en-US" smtClean="0"/>
               <a:pPr/>
               <a:t>22.10.2013</a:t>
             </a:fld>
-            <a:endParaRPr lang="ru-RU" dirty="0"/>
+            <a:endParaRPr lang="en-US" dirty="0"/>
           </a:p>
         </p:txBody>
       </p:sp>
       <p:sp>
         <p:nvSpPr>
-          <p:cNvPr id="5" name="Нижний колонтитул 4"/>
+          <p:cNvPr id="5" name="Footer Placeholder 4"/>
           <p:cNvSpPr>
             <a:spLocks noGrp="1"/>
           </p:cNvSpPr>
@@ -1367,13 +1367,13 @@
           <a:bodyPr/>
           <a:lstStyle/>
           <a:p>
-            <a:endParaRPr lang="ru-RU" dirty="0"/>
+            <a:endParaRPr lang="en-US" dirty="0"/>
           </a:p>
         </p:txBody>
       </p:sp>
       <p:sp>
         <p:nvSpPr>
-          <p:cNvPr id="6" name="Номер слайда 5"/>
+          <p:cNvPr id="6" name="Slide Number Placeholder 5"/>
           <p:cNvSpPr>
             <a:spLocks noGrp="1"/>
           </p:cNvSpPr>
@@ -1387,11 +1387,11 @@
           <a:lstStyle/>
           <a:p>
             <a:fld id="{6A530004-958A-4E15-9840-E9741BECB0F3}" type="slidenum">
-              <a:rPr lang="ru-RU" smtClean="0"/>
+              <a:rPr lang="en-US" smtClean="0"/>
               <a:pPr/>
               <a:t>‹#›</a:t>
             </a:fld>
-            <a:endParaRPr lang="ru-RU" dirty="0"/>
+            <a:endParaRPr lang="en-US" dirty="0"/>
           </a:p>
         </p:txBody>
       </p:sp>
@@ -1434,7 +1434,7 @@
       </p:grpSpPr>
       <p:sp>
         <p:nvSpPr>
-          <p:cNvPr id="3" name="Объект 2"/>
+          <p:cNvPr id="3" name="Content Placeholder 2"/>
           <p:cNvSpPr>
             <a:spLocks noGrp="1"/>
           </p:cNvSpPr>
@@ -1482,44 +1482,44 @@
           <a:p>
             <a:pPr lvl="0"/>
             <a:r>
-              <a:rPr lang="ru-RU" smtClean="0"/>
-              <a:t>Образец текста</a:t>
+              <a:rPr lang="en-US" smtClean="0"/>
+              <a:t>Click to edit Master text styles</a:t>
             </a:r>
           </a:p>
           <a:p>
             <a:pPr lvl="1"/>
             <a:r>
-              <a:rPr lang="ru-RU" smtClean="0"/>
-              <a:t>Второй уровень</a:t>
+              <a:rPr lang="en-US" smtClean="0"/>
+              <a:t>Second level</a:t>
             </a:r>
           </a:p>
           <a:p>
             <a:pPr lvl="2"/>
             <a:r>
-              <a:rPr lang="ru-RU" smtClean="0"/>
-              <a:t>Третий уровень</a:t>
+              <a:rPr lang="en-US" smtClean="0"/>
+              <a:t>Third level</a:t>
             </a:r>
           </a:p>
           <a:p>
             <a:pPr lvl="3"/>
             <a:r>
-              <a:rPr lang="ru-RU" smtClean="0"/>
-              <a:t>Четвертый уровень</a:t>
+              <a:rPr lang="en-US" smtClean="0"/>
+              <a:t>Fourth level</a:t>
             </a:r>
           </a:p>
           <a:p>
             <a:pPr lvl="4"/>
             <a:r>
-              <a:rPr lang="ru-RU" smtClean="0"/>
-              <a:t>Пятый уровень</a:t>
+              <a:rPr lang="en-US" smtClean="0"/>
+              <a:t>Fifth level</a:t>
             </a:r>
-            <a:endParaRPr lang="ru-RU"/>
+            <a:endParaRPr lang="en-US"/>
           </a:p>
         </p:txBody>
       </p:sp>
       <p:sp>
         <p:nvSpPr>
-          <p:cNvPr id="4" name="Объект 3"/>
+          <p:cNvPr id="4" name="Content Placeholder 3"/>
           <p:cNvSpPr>
             <a:spLocks noGrp="1"/>
           </p:cNvSpPr>
@@ -1567,44 +1567,44 @@
           <a:p>
             <a:pPr lvl="0"/>
             <a:r>
-              <a:rPr lang="ru-RU" smtClean="0"/>
-              <a:t>Образец текста</a:t>
+              <a:rPr lang="en-US" smtClean="0"/>
+              <a:t>Click to edit Master text styles</a:t>
             </a:r>
           </a:p>
           <a:p>
             <a:pPr lvl="1"/>
             <a:r>
-              <a:rPr lang="ru-RU" smtClean="0"/>
-              <a:t>Второй уровень</a:t>
+              <a:rPr lang="en-US" smtClean="0"/>
+              <a:t>Second level</a:t>
             </a:r>
           </a:p>
           <a:p>
             <a:pPr lvl="2"/>
             <a:r>
-              <a:rPr lang="ru-RU" smtClean="0"/>
-              <a:t>Третий уровень</a:t>
+              <a:rPr lang="en-US" smtClean="0"/>
+              <a:t>Third level</a:t>
             </a:r>
           </a:p>
           <a:p>
             <a:pPr lvl="3"/>
             <a:r>
-              <a:rPr lang="ru-RU" smtClean="0"/>
-              <a:t>Четвертый уровень</a:t>
+              <a:rPr lang="en-US" smtClean="0"/>
+              <a:t>Fourth level</a:t>
             </a:r>
           </a:p>
           <a:p>
             <a:pPr lvl="4"/>
             <a:r>
-              <a:rPr lang="ru-RU" smtClean="0"/>
-              <a:t>Пятый уровень</a:t>
+              <a:rPr lang="en-US" smtClean="0"/>
+              <a:t>Fifth level</a:t>
             </a:r>
-            <a:endParaRPr lang="ru-RU"/>
+            <a:endParaRPr lang="en-US"/>
           </a:p>
         </p:txBody>
       </p:sp>
       <p:sp>
         <p:nvSpPr>
-          <p:cNvPr id="5" name="Дата 4"/>
+          <p:cNvPr id="5" name="Date Placeholder 4"/>
           <p:cNvSpPr>
             <a:spLocks noGrp="1"/>
           </p:cNvSpPr>
@@ -1618,17 +1618,17 @@
           <a:lstStyle/>
           <a:p>
             <a:fld id="{B7184183-74E9-4393-9769-E1D9236041BE}" type="datetimeFigureOut">
-              <a:rPr lang="ru-RU" smtClean="0"/>
+              <a:rPr lang="en-US" smtClean="0"/>
               <a:pPr/>
               <a:t>22.10.2013</a:t>
             </a:fld>
-            <a:endParaRPr lang="ru-RU" dirty="0"/>
+            <a:endParaRPr lang="en-US" dirty="0"/>
           </a:p>
         </p:txBody>
       </p:sp>
       <p:sp>
         <p:nvSpPr>
-          <p:cNvPr id="6" name="Нижний колонтитул 5"/>
+          <p:cNvPr id="6" name="Footer Placeholder 5"/>
           <p:cNvSpPr>
             <a:spLocks noGrp="1"/>
           </p:cNvSpPr>
@@ -1641,13 +1641,13 @@
           <a:bodyPr/>
           <a:lstStyle/>
           <a:p>
-            <a:endParaRPr lang="ru-RU" dirty="0"/>
+            <a:endParaRPr lang="en-US" dirty="0"/>
           </a:p>
         </p:txBody>
       </p:sp>
       <p:sp>
         <p:nvSpPr>
-          <p:cNvPr id="7" name="Номер слайда 6"/>
+          <p:cNvPr id="7" name="Slide Number Placeholder 6"/>
           <p:cNvSpPr>
             <a:spLocks noGrp="1"/>
           </p:cNvSpPr>
@@ -1661,17 +1661,17 @@
           <a:lstStyle/>
           <a:p>
             <a:fld id="{6A530004-958A-4E15-9840-E9741BECB0F3}" type="slidenum">
-              <a:rPr lang="ru-RU" smtClean="0"/>
+              <a:rPr lang="en-US" smtClean="0"/>
               <a:pPr/>
               <a:t>‹#›</a:t>
             </a:fld>
-            <a:endParaRPr lang="ru-RU" dirty="0"/>
+            <a:endParaRPr lang="en-US" dirty="0"/>
           </a:p>
         </p:txBody>
       </p:sp>
       <p:sp>
         <p:nvSpPr>
-          <p:cNvPr id="8" name="Заголовок 7"/>
+          <p:cNvPr id="8" name="Title 7"/>
           <p:cNvSpPr>
             <a:spLocks noGrp="1"/>
           </p:cNvSpPr>
@@ -1685,10 +1685,10 @@
           <a:lstStyle/>
           <a:p>
             <a:r>
-              <a:rPr lang="ru-RU" smtClean="0"/>
-              <a:t>Образец заголовка</a:t>
+              <a:rPr lang="en-US" smtClean="0"/>
+              <a:t>Click to edit Master title style</a:t>
             </a:r>
-            <a:endParaRPr lang="ru-RU"/>
+            <a:endParaRPr lang="en-US"/>
           </a:p>
         </p:txBody>
       </p:sp>
@@ -1731,7 +1731,7 @@
       </p:grpSpPr>
       <p:sp>
         <p:nvSpPr>
-          <p:cNvPr id="3" name="Текст 2"/>
+          <p:cNvPr id="3" name="Text Placeholder 2"/>
           <p:cNvSpPr>
             <a:spLocks noGrp="1"/>
           </p:cNvSpPr>
@@ -1788,15 +1788,15 @@
           <a:p>
             <a:pPr lvl="0"/>
             <a:r>
-              <a:rPr lang="ru-RU" smtClean="0"/>
-              <a:t>Образец текста</a:t>
+              <a:rPr lang="en-US" smtClean="0"/>
+              <a:t>Click to edit Master text styles</a:t>
             </a:r>
           </a:p>
         </p:txBody>
       </p:sp>
       <p:sp>
         <p:nvSpPr>
-          <p:cNvPr id="4" name="Объект 3"/>
+          <p:cNvPr id="4" name="Content Placeholder 3"/>
           <p:cNvSpPr>
             <a:spLocks noGrp="1"/>
           </p:cNvSpPr>
@@ -1844,44 +1844,44 @@
           <a:p>
             <a:pPr lvl="0"/>
             <a:r>
-              <a:rPr lang="ru-RU" smtClean="0"/>
-              <a:t>Образец текста</a:t>
+              <a:rPr lang="en-US" smtClean="0"/>
+              <a:t>Click to edit Master text styles</a:t>
             </a:r>
           </a:p>
           <a:p>
             <a:pPr lvl="1"/>
             <a:r>
-              <a:rPr lang="ru-RU" smtClean="0"/>
-              <a:t>Второй уровень</a:t>
+              <a:rPr lang="en-US" smtClean="0"/>
+              <a:t>Second level</a:t>
             </a:r>
           </a:p>
           <a:p>
             <a:pPr lvl="2"/>
             <a:r>
-              <a:rPr lang="ru-RU" smtClean="0"/>
-              <a:t>Третий уровень</a:t>
+              <a:rPr lang="en-US" smtClean="0"/>
+              <a:t>Third level</a:t>
             </a:r>
           </a:p>
           <a:p>
             <a:pPr lvl="3"/>
             <a:r>
-              <a:rPr lang="ru-RU" smtClean="0"/>
-              <a:t>Четвертый уровень</a:t>
+              <a:rPr lang="en-US" smtClean="0"/>
+              <a:t>Fourth level</a:t>
             </a:r>
           </a:p>
           <a:p>
             <a:pPr lvl="4"/>
             <a:r>
-              <a:rPr lang="ru-RU" smtClean="0"/>
-              <a:t>Пятый уровень</a:t>
+              <a:rPr lang="en-US" smtClean="0"/>
+              <a:t>Fifth level</a:t>
             </a:r>
-            <a:endParaRPr lang="ru-RU"/>
+            <a:endParaRPr lang="en-US"/>
           </a:p>
         </p:txBody>
       </p:sp>
       <p:sp>
         <p:nvSpPr>
-          <p:cNvPr id="5" name="Текст 4"/>
+          <p:cNvPr id="5" name="Text Placeholder 4"/>
           <p:cNvSpPr>
             <a:spLocks noGrp="1"/>
           </p:cNvSpPr>
@@ -1938,15 +1938,15 @@
           <a:p>
             <a:pPr lvl="0"/>
             <a:r>
-              <a:rPr lang="ru-RU" smtClean="0"/>
-              <a:t>Образец текста</a:t>
+              <a:rPr lang="en-US" smtClean="0"/>
+              <a:t>Click to edit Master text styles</a:t>
             </a:r>
           </a:p>
         </p:txBody>
       </p:sp>
       <p:sp>
         <p:nvSpPr>
-          <p:cNvPr id="6" name="Объект 5"/>
+          <p:cNvPr id="6" name="Content Placeholder 5"/>
           <p:cNvSpPr>
             <a:spLocks noGrp="1"/>
           </p:cNvSpPr>
@@ -1994,44 +1994,44 @@
           <a:p>
             <a:pPr lvl="0"/>
             <a:r>
-              <a:rPr lang="ru-RU" smtClean="0"/>
-              <a:t>Образец текста</a:t>
+              <a:rPr lang="en-US" smtClean="0"/>
+              <a:t>Click to edit Master text styles</a:t>
             </a:r>
           </a:p>
           <a:p>
             <a:pPr lvl="1"/>
             <a:r>
-              <a:rPr lang="ru-RU" smtClean="0"/>
-              <a:t>Второй уровень</a:t>
+              <a:rPr lang="en-US" smtClean="0"/>
+              <a:t>Second level</a:t>
             </a:r>
           </a:p>
           <a:p>
             <a:pPr lvl="2"/>
             <a:r>
-              <a:rPr lang="ru-RU" smtClean="0"/>
-              <a:t>Третий уровень</a:t>
+              <a:rPr lang="en-US" smtClean="0"/>
+              <a:t>Third level</a:t>
             </a:r>
           </a:p>
           <a:p>
             <a:pPr lvl="3"/>
             <a:r>
-              <a:rPr lang="ru-RU" smtClean="0"/>
-              <a:t>Четвертый уровень</a:t>
+              <a:rPr lang="en-US" smtClean="0"/>
+              <a:t>Fourth level</a:t>
             </a:r>
           </a:p>
           <a:p>
             <a:pPr lvl="4"/>
             <a:r>
-              <a:rPr lang="ru-RU" smtClean="0"/>
-              <a:t>Пятый уровень</a:t>
+              <a:rPr lang="en-US" smtClean="0"/>
+              <a:t>Fifth level</a:t>
             </a:r>
-            <a:endParaRPr lang="ru-RU"/>
+            <a:endParaRPr lang="en-US"/>
           </a:p>
         </p:txBody>
       </p:sp>
       <p:sp>
         <p:nvSpPr>
-          <p:cNvPr id="7" name="Дата 6"/>
+          <p:cNvPr id="7" name="Date Placeholder 6"/>
           <p:cNvSpPr>
             <a:spLocks noGrp="1"/>
           </p:cNvSpPr>
@@ -2045,17 +2045,17 @@
           <a:lstStyle/>
           <a:p>
             <a:fld id="{B7184183-74E9-4393-9769-E1D9236041BE}" type="datetimeFigureOut">
-              <a:rPr lang="ru-RU" smtClean="0"/>
+              <a:rPr lang="en-US" smtClean="0"/>
               <a:pPr/>
               <a:t>22.10.2013</a:t>
             </a:fld>
-            <a:endParaRPr lang="ru-RU" dirty="0"/>
+            <a:endParaRPr lang="en-US" dirty="0"/>
           </a:p>
         </p:txBody>
       </p:sp>
       <p:sp>
         <p:nvSpPr>
-          <p:cNvPr id="8" name="Нижний колонтитул 7"/>
+          <p:cNvPr id="8" name="Footer Placeholder 7"/>
           <p:cNvSpPr>
             <a:spLocks noGrp="1"/>
           </p:cNvSpPr>
@@ -2068,13 +2068,13 @@
           <a:bodyPr/>
           <a:lstStyle/>
           <a:p>
-            <a:endParaRPr lang="ru-RU" dirty="0"/>
+            <a:endParaRPr lang="en-US" dirty="0"/>
           </a:p>
         </p:txBody>
       </p:sp>
       <p:sp>
         <p:nvSpPr>
-          <p:cNvPr id="9" name="Номер слайда 8"/>
+          <p:cNvPr id="9" name="Slide Number Placeholder 8"/>
           <p:cNvSpPr>
             <a:spLocks noGrp="1"/>
           </p:cNvSpPr>
@@ -2088,17 +2088,17 @@
           <a:lstStyle/>
           <a:p>
             <a:fld id="{6A530004-958A-4E15-9840-E9741BECB0F3}" type="slidenum">
-              <a:rPr lang="ru-RU" smtClean="0"/>
+              <a:rPr lang="en-US" smtClean="0"/>
               <a:pPr/>
               <a:t>‹#›</a:t>
             </a:fld>
-            <a:endParaRPr lang="ru-RU" dirty="0"/>
+            <a:endParaRPr lang="en-US" dirty="0"/>
           </a:p>
         </p:txBody>
       </p:sp>
       <p:sp>
         <p:nvSpPr>
-          <p:cNvPr id="10" name="Заголовок 9"/>
+          <p:cNvPr id="10" name="Title 9"/>
           <p:cNvSpPr>
             <a:spLocks noGrp="1"/>
           </p:cNvSpPr>
@@ -2112,10 +2112,10 @@
           <a:lstStyle/>
           <a:p>
             <a:r>
-              <a:rPr lang="ru-RU" smtClean="0"/>
-              <a:t>Образец заголовка</a:t>
+              <a:rPr lang="en-US" smtClean="0"/>
+              <a:t>Click to edit Master title style</a:t>
             </a:r>
-            <a:endParaRPr lang="ru-RU"/>
+            <a:endParaRPr lang="en-US"/>
           </a:p>
         </p:txBody>
       </p:sp>
@@ -2158,7 +2158,7 @@
       </p:grpSpPr>
       <p:sp>
         <p:nvSpPr>
-          <p:cNvPr id="2" name="Заголовок 1"/>
+          <p:cNvPr id="2" name="Title 1"/>
           <p:cNvSpPr>
             <a:spLocks noGrp="1"/>
           </p:cNvSpPr>
@@ -2172,16 +2172,16 @@
           <a:lstStyle/>
           <a:p>
             <a:r>
-              <a:rPr lang="ru-RU" smtClean="0"/>
-              <a:t>Образец заголовка</a:t>
+              <a:rPr lang="en-US" smtClean="0"/>
+              <a:t>Click to edit Master title style</a:t>
             </a:r>
-            <a:endParaRPr lang="ru-RU"/>
+            <a:endParaRPr lang="en-US"/>
           </a:p>
         </p:txBody>
       </p:sp>
       <p:sp>
         <p:nvSpPr>
-          <p:cNvPr id="3" name="Дата 2"/>
+          <p:cNvPr id="3" name="Date Placeholder 2"/>
           <p:cNvSpPr>
             <a:spLocks noGrp="1"/>
           </p:cNvSpPr>
@@ -2195,17 +2195,17 @@
           <a:lstStyle/>
           <a:p>
             <a:fld id="{B7184183-74E9-4393-9769-E1D9236041BE}" type="datetimeFigureOut">
-              <a:rPr lang="ru-RU" smtClean="0"/>
+              <a:rPr lang="en-US" smtClean="0"/>
               <a:pPr/>
               <a:t>22.10.2013</a:t>
             </a:fld>
-            <a:endParaRPr lang="ru-RU" dirty="0"/>
+            <a:endParaRPr lang="en-US" dirty="0"/>
           </a:p>
         </p:txBody>
       </p:sp>
       <p:sp>
         <p:nvSpPr>
-          <p:cNvPr id="4" name="Нижний колонтитул 3"/>
+          <p:cNvPr id="4" name="Footer Placeholder 3"/>
           <p:cNvSpPr>
             <a:spLocks noGrp="1"/>
           </p:cNvSpPr>
@@ -2218,13 +2218,13 @@
           <a:bodyPr/>
           <a:lstStyle/>
           <a:p>
-            <a:endParaRPr lang="ru-RU" dirty="0"/>
+            <a:endParaRPr lang="en-US" dirty="0"/>
           </a:p>
         </p:txBody>
       </p:sp>
       <p:sp>
         <p:nvSpPr>
-          <p:cNvPr id="5" name="Номер слайда 4"/>
+          <p:cNvPr id="5" name="Slide Number Placeholder 4"/>
           <p:cNvSpPr>
             <a:spLocks noGrp="1"/>
           </p:cNvSpPr>
@@ -2238,11 +2238,11 @@
           <a:lstStyle/>
           <a:p>
             <a:fld id="{6A530004-958A-4E15-9840-E9741BECB0F3}" type="slidenum">
-              <a:rPr lang="ru-RU" smtClean="0"/>
+              <a:rPr lang="en-US" smtClean="0"/>
               <a:pPr/>
               <a:t>‹#›</a:t>
             </a:fld>
-            <a:endParaRPr lang="ru-RU" dirty="0"/>
+            <a:endParaRPr lang="en-US" dirty="0"/>
           </a:p>
         </p:txBody>
       </p:sp>
@@ -2285,7 +2285,7 @@
       </p:grpSpPr>
       <p:sp>
         <p:nvSpPr>
-          <p:cNvPr id="2" name="Дата 1"/>
+          <p:cNvPr id="2" name="Date Placeholder 1"/>
           <p:cNvSpPr>
             <a:spLocks noGrp="1"/>
           </p:cNvSpPr>
@@ -2299,17 +2299,17 @@
           <a:lstStyle/>
           <a:p>
             <a:fld id="{B7184183-74E9-4393-9769-E1D9236041BE}" type="datetimeFigureOut">
-              <a:rPr lang="ru-RU" smtClean="0"/>
+              <a:rPr lang="en-US" smtClean="0"/>
               <a:pPr/>
               <a:t>22.10.2013</a:t>
             </a:fld>
-            <a:endParaRPr lang="ru-RU" dirty="0"/>
+            <a:endParaRPr lang="en-US" dirty="0"/>
           </a:p>
         </p:txBody>
       </p:sp>
       <p:sp>
         <p:nvSpPr>
-          <p:cNvPr id="3" name="Нижний колонтитул 2"/>
+          <p:cNvPr id="3" name="Footer Placeholder 2"/>
           <p:cNvSpPr>
             <a:spLocks noGrp="1"/>
           </p:cNvSpPr>
@@ -2322,13 +2322,13 @@
           <a:bodyPr/>
           <a:lstStyle/>
           <a:p>
-            <a:endParaRPr lang="ru-RU" dirty="0"/>
+            <a:endParaRPr lang="en-US" dirty="0"/>
           </a:p>
         </p:txBody>
       </p:sp>
       <p:sp>
         <p:nvSpPr>
-          <p:cNvPr id="4" name="Номер слайда 3"/>
+          <p:cNvPr id="4" name="Slide Number Placeholder 3"/>
           <p:cNvSpPr>
             <a:spLocks noGrp="1"/>
           </p:cNvSpPr>
@@ -2342,11 +2342,11 @@
           <a:lstStyle/>
           <a:p>
             <a:fld id="{6A530004-958A-4E15-9840-E9741BECB0F3}" type="slidenum">
-              <a:rPr lang="ru-RU" smtClean="0"/>
+              <a:rPr lang="en-US" smtClean="0"/>
               <a:pPr/>
               <a:t>‹#›</a:t>
             </a:fld>
-            <a:endParaRPr lang="ru-RU" dirty="0"/>
+            <a:endParaRPr lang="en-US" dirty="0"/>
           </a:p>
         </p:txBody>
       </p:sp>
@@ -2389,7 +2389,7 @@
       </p:grpSpPr>
       <p:sp>
         <p:nvSpPr>
-          <p:cNvPr id="2" name="Заголовок 1"/>
+          <p:cNvPr id="2" name="Title 1"/>
           <p:cNvSpPr>
             <a:spLocks noGrp="1"/>
           </p:cNvSpPr>
@@ -2412,16 +2412,16 @@
           </a:lstStyle>
           <a:p>
             <a:r>
-              <a:rPr lang="ru-RU" smtClean="0"/>
-              <a:t>Образец заголовка</a:t>
+              <a:rPr lang="en-US" smtClean="0"/>
+              <a:t>Click to edit Master title style</a:t>
             </a:r>
-            <a:endParaRPr lang="ru-RU"/>
+            <a:endParaRPr lang="en-US"/>
           </a:p>
         </p:txBody>
       </p:sp>
       <p:sp>
         <p:nvSpPr>
-          <p:cNvPr id="3" name="Объект 2"/>
+          <p:cNvPr id="3" name="Content Placeholder 2"/>
           <p:cNvSpPr>
             <a:spLocks noGrp="1"/>
           </p:cNvSpPr>
@@ -2469,44 +2469,44 @@
           <a:p>
             <a:pPr lvl="0"/>
             <a:r>
-              <a:rPr lang="ru-RU" smtClean="0"/>
-              <a:t>Образец текста</a:t>
+              <a:rPr lang="en-US" smtClean="0"/>
+              <a:t>Click to edit Master text styles</a:t>
             </a:r>
           </a:p>
           <a:p>
             <a:pPr lvl="1"/>
             <a:r>
-              <a:rPr lang="ru-RU" smtClean="0"/>
-              <a:t>Второй уровень</a:t>
+              <a:rPr lang="en-US" smtClean="0"/>
+              <a:t>Second level</a:t>
             </a:r>
           </a:p>
           <a:p>
             <a:pPr lvl="2"/>
             <a:r>
-              <a:rPr lang="ru-RU" smtClean="0"/>
-              <a:t>Третий уровень</a:t>
+              <a:rPr lang="en-US" smtClean="0"/>
+              <a:t>Third level</a:t>
             </a:r>
           </a:p>
           <a:p>
             <a:pPr lvl="3"/>
             <a:r>
-              <a:rPr lang="ru-RU" smtClean="0"/>
-              <a:t>Четвертый уровень</a:t>
+              <a:rPr lang="en-US" smtClean="0"/>
+              <a:t>Fourth level</a:t>
             </a:r>
           </a:p>
           <a:p>
             <a:pPr lvl="4"/>
             <a:r>
-              <a:rPr lang="ru-RU" smtClean="0"/>
-              <a:t>Пятый уровень</a:t>
+              <a:rPr lang="en-US" smtClean="0"/>
+              <a:t>Fifth level</a:t>
             </a:r>
-            <a:endParaRPr lang="ru-RU"/>
+            <a:endParaRPr lang="en-US"/>
           </a:p>
         </p:txBody>
       </p:sp>
       <p:sp>
         <p:nvSpPr>
-          <p:cNvPr id="4" name="Текст 3"/>
+          <p:cNvPr id="4" name="Text Placeholder 3"/>
           <p:cNvSpPr>
             <a:spLocks noGrp="1"/>
           </p:cNvSpPr>
@@ -2563,15 +2563,15 @@
           <a:p>
             <a:pPr lvl="0"/>
             <a:r>
-              <a:rPr lang="ru-RU" smtClean="0"/>
-              <a:t>Образец текста</a:t>
+              <a:rPr lang="en-US" smtClean="0"/>
+              <a:t>Click to edit Master text styles</a:t>
             </a:r>
           </a:p>
         </p:txBody>
       </p:sp>
       <p:sp>
         <p:nvSpPr>
-          <p:cNvPr id="5" name="Дата 4"/>
+          <p:cNvPr id="5" name="Date Placeholder 4"/>
           <p:cNvSpPr>
             <a:spLocks noGrp="1"/>
           </p:cNvSpPr>
@@ -2585,17 +2585,17 @@
           <a:lstStyle/>
           <a:p>
             <a:fld id="{B7184183-74E9-4393-9769-E1D9236041BE}" type="datetimeFigureOut">
-              <a:rPr lang="ru-RU" smtClean="0"/>
+              <a:rPr lang="en-US" smtClean="0"/>
               <a:pPr/>
               <a:t>22.10.2013</a:t>
             </a:fld>
-            <a:endParaRPr lang="ru-RU" dirty="0"/>
+            <a:endParaRPr lang="en-US" dirty="0"/>
           </a:p>
         </p:txBody>
       </p:sp>
       <p:sp>
         <p:nvSpPr>
-          <p:cNvPr id="6" name="Нижний колонтитул 5"/>
+          <p:cNvPr id="6" name="Footer Placeholder 5"/>
           <p:cNvSpPr>
             <a:spLocks noGrp="1"/>
           </p:cNvSpPr>
@@ -2608,13 +2608,13 @@
           <a:bodyPr/>
           <a:lstStyle/>
           <a:p>
-            <a:endParaRPr lang="ru-RU" dirty="0"/>
+            <a:endParaRPr lang="en-US" dirty="0"/>
           </a:p>
         </p:txBody>
       </p:sp>
       <p:sp>
         <p:nvSpPr>
-          <p:cNvPr id="7" name="Номер слайда 6"/>
+          <p:cNvPr id="7" name="Slide Number Placeholder 6"/>
           <p:cNvSpPr>
             <a:spLocks noGrp="1"/>
           </p:cNvSpPr>
@@ -2628,11 +2628,11 @@
           <a:lstStyle/>
           <a:p>
             <a:fld id="{6A530004-958A-4E15-9840-E9741BECB0F3}" type="slidenum">
-              <a:rPr lang="ru-RU" smtClean="0"/>
+              <a:rPr lang="en-US" smtClean="0"/>
               <a:pPr/>
               <a:t>‹#›</a:t>
             </a:fld>
-            <a:endParaRPr lang="ru-RU" dirty="0"/>
+            <a:endParaRPr lang="en-US" dirty="0"/>
           </a:p>
         </p:txBody>
       </p:sp>
@@ -2675,7 +2675,7 @@
       </p:grpSpPr>
       <p:sp>
         <p:nvSpPr>
-          <p:cNvPr id="2" name="Заголовок 1"/>
+          <p:cNvPr id="2" name="Title 1"/>
           <p:cNvSpPr>
             <a:spLocks noGrp="1"/>
           </p:cNvSpPr>
@@ -2698,16 +2698,16 @@
           </a:lstStyle>
           <a:p>
             <a:r>
-              <a:rPr lang="ru-RU" smtClean="0"/>
-              <a:t>Образец заголовка</a:t>
+              <a:rPr lang="en-US" smtClean="0"/>
+              <a:t>Click to edit Master title style</a:t>
             </a:r>
-            <a:endParaRPr lang="ru-RU"/>
+            <a:endParaRPr lang="en-US"/>
           </a:p>
         </p:txBody>
       </p:sp>
       <p:sp>
         <p:nvSpPr>
-          <p:cNvPr id="3" name="Рисунок 2"/>
+          <p:cNvPr id="3" name="Picture Placeholder 2"/>
           <p:cNvSpPr>
             <a:spLocks noGrp="1"/>
           </p:cNvSpPr>
@@ -2762,13 +2762,13 @@
             </a:lvl9pPr>
           </a:lstStyle>
           <a:p>
-            <a:endParaRPr lang="ru-RU"/>
+            <a:endParaRPr lang="en-US"/>
           </a:p>
         </p:txBody>
       </p:sp>
       <p:sp>
         <p:nvSpPr>
-          <p:cNvPr id="4" name="Текст 3"/>
+          <p:cNvPr id="4" name="Text Placeholder 3"/>
           <p:cNvSpPr>
             <a:spLocks noGrp="1"/>
           </p:cNvSpPr>
@@ -2825,15 +2825,15 @@
           <a:p>
             <a:pPr lvl="0"/>
             <a:r>
-              <a:rPr lang="ru-RU" smtClean="0"/>
-              <a:t>Образец текста</a:t>
+              <a:rPr lang="en-US" smtClean="0"/>
+              <a:t>Click to edit Master text styles</a:t>
             </a:r>
           </a:p>
         </p:txBody>
       </p:sp>
       <p:sp>
         <p:nvSpPr>
-          <p:cNvPr id="5" name="Дата 4"/>
+          <p:cNvPr id="5" name="Date Placeholder 4"/>
           <p:cNvSpPr>
             <a:spLocks noGrp="1"/>
           </p:cNvSpPr>
@@ -2847,17 +2847,17 @@
           <a:lstStyle/>
           <a:p>
             <a:fld id="{B7184183-74E9-4393-9769-E1D9236041BE}" type="datetimeFigureOut">
-              <a:rPr lang="ru-RU" smtClean="0"/>
+              <a:rPr lang="en-US" smtClean="0"/>
               <a:pPr/>
               <a:t>22.10.2013</a:t>
             </a:fld>
-            <a:endParaRPr lang="ru-RU" dirty="0"/>
+            <a:endParaRPr lang="en-US" dirty="0"/>
           </a:p>
         </p:txBody>
       </p:sp>
       <p:sp>
         <p:nvSpPr>
-          <p:cNvPr id="6" name="Нижний колонтитул 5"/>
+          <p:cNvPr id="6" name="Footer Placeholder 5"/>
           <p:cNvSpPr>
             <a:spLocks noGrp="1"/>
           </p:cNvSpPr>
@@ -2870,13 +2870,13 @@
           <a:bodyPr/>
           <a:lstStyle/>
           <a:p>
-            <a:endParaRPr lang="ru-RU" dirty="0"/>
+            <a:endParaRPr lang="en-US" dirty="0"/>
           </a:p>
         </p:txBody>
       </p:sp>
       <p:sp>
         <p:nvSpPr>
-          <p:cNvPr id="7" name="Номер слайда 6"/>
+          <p:cNvPr id="7" name="Slide Number Placeholder 6"/>
           <p:cNvSpPr>
             <a:spLocks noGrp="1"/>
           </p:cNvSpPr>
@@ -2890,11 +2890,11 @@
           <a:lstStyle/>
           <a:p>
             <a:fld id="{6A530004-958A-4E15-9840-E9741BECB0F3}" type="slidenum">
-              <a:rPr lang="ru-RU" smtClean="0"/>
+              <a:rPr lang="en-US" smtClean="0"/>
               <a:pPr/>
               <a:t>‹#›</a:t>
             </a:fld>
-            <a:endParaRPr lang="ru-RU" dirty="0"/>
+            <a:endParaRPr lang="en-US" dirty="0"/>
           </a:p>
         </p:txBody>
       </p:sp>
@@ -5670,7 +5670,7 @@
       </p:sp>
       <p:sp>
         <p:nvSpPr>
-          <p:cNvPr id="3" name="Текст 2"/>
+          <p:cNvPr id="3" name="Text Placeholder 2"/>
           <p:cNvSpPr>
             <a:spLocks noGrp="1"/>
           </p:cNvSpPr>
@@ -5695,44 +5695,44 @@
           <a:p>
             <a:pPr lvl="0"/>
             <a:r>
-              <a:rPr lang="ru-RU" dirty="0" smtClean="0"/>
-              <a:t>Образец текста</a:t>
+              <a:rPr lang="en-US" dirty="0" smtClean="0"/>
+              <a:t>Click to edit Master text styles</a:t>
             </a:r>
           </a:p>
           <a:p>
             <a:pPr lvl="1"/>
             <a:r>
-              <a:rPr lang="ru-RU" dirty="0" smtClean="0"/>
-              <a:t>Второй уровень</a:t>
+              <a:rPr lang="en-US" dirty="0" smtClean="0"/>
+              <a:t>Second level</a:t>
             </a:r>
           </a:p>
           <a:p>
             <a:pPr lvl="2"/>
             <a:r>
-              <a:rPr lang="ru-RU" dirty="0" smtClean="0"/>
-              <a:t>Третий уровень</a:t>
+              <a:rPr lang="en-US" dirty="0" smtClean="0"/>
+              <a:t>Third level</a:t>
             </a:r>
           </a:p>
           <a:p>
             <a:pPr lvl="3"/>
             <a:r>
-              <a:rPr lang="ru-RU" dirty="0" smtClean="0"/>
-              <a:t>Четвертый уровень</a:t>
+              <a:rPr lang="en-US" dirty="0" smtClean="0"/>
+              <a:t>Fourth level</a:t>
             </a:r>
           </a:p>
           <a:p>
             <a:pPr lvl="4"/>
             <a:r>
-              <a:rPr lang="ru-RU" dirty="0" smtClean="0"/>
-              <a:t>Пятый уровень</a:t>
+              <a:rPr lang="en-US" dirty="0" smtClean="0"/>
+              <a:t>Fifth level</a:t>
             </a:r>
-            <a:endParaRPr lang="ru-RU" dirty="0"/>
+            <a:endParaRPr lang="en-US" dirty="0"/>
           </a:p>
         </p:txBody>
       </p:sp>
       <p:sp>
         <p:nvSpPr>
-          <p:cNvPr id="4" name="Дата 3"/>
+          <p:cNvPr id="4" name="Date Placeholder 3"/>
           <p:cNvSpPr>
             <a:spLocks noGrp="1"/>
           </p:cNvSpPr>
@@ -5765,17 +5765,17 @@
           </a:lstStyle>
           <a:p>
             <a:fld id="{B7184183-74E9-4393-9769-E1D9236041BE}" type="datetimeFigureOut">
-              <a:rPr lang="ru-RU" smtClean="0"/>
+              <a:rPr lang="en-US" smtClean="0"/>
               <a:pPr/>
               <a:t>22.10.2013</a:t>
             </a:fld>
-            <a:endParaRPr lang="ru-RU" dirty="0"/>
+            <a:endParaRPr lang="en-US" dirty="0"/>
           </a:p>
         </p:txBody>
       </p:sp>
       <p:sp>
         <p:nvSpPr>
-          <p:cNvPr id="5" name="Нижний колонтитул 4"/>
+          <p:cNvPr id="5" name="Footer Placeholder 4"/>
           <p:cNvSpPr>
             <a:spLocks noGrp="1"/>
           </p:cNvSpPr>
@@ -5807,13 +5807,13 @@
             </a:lvl1pPr>
           </a:lstStyle>
           <a:p>
-            <a:endParaRPr lang="ru-RU" dirty="0"/>
+            <a:endParaRPr lang="en-US" dirty="0"/>
           </a:p>
         </p:txBody>
       </p:sp>
       <p:sp>
         <p:nvSpPr>
-          <p:cNvPr id="2" name="Заголовок 1"/>
+          <p:cNvPr id="2" name="Title 1"/>
           <p:cNvSpPr>
             <a:spLocks noGrp="1"/>
           </p:cNvSpPr>
@@ -5837,16 +5837,16 @@
           <a:lstStyle/>
           <a:p>
             <a:r>
-              <a:rPr lang="ru-RU" dirty="0" smtClean="0"/>
-              <a:t>Образец заголовка</a:t>
+              <a:rPr lang="en-US" dirty="0" smtClean="0"/>
+              <a:t>Click to edit Master title style</a:t>
             </a:r>
-            <a:endParaRPr lang="ru-RU" dirty="0"/>
+            <a:endParaRPr lang="en-US" dirty="0"/>
           </a:p>
         </p:txBody>
       </p:sp>
       <p:sp>
         <p:nvSpPr>
-          <p:cNvPr id="6" name="Номер слайда 5"/>
+          <p:cNvPr id="6" name="Slide Number Placeholder 5"/>
           <p:cNvSpPr>
             <a:spLocks noGrp="1"/>
           </p:cNvSpPr>
@@ -5879,11 +5879,11 @@
           </a:lstStyle>
           <a:p>
             <a:fld id="{6A530004-958A-4E15-9840-E9741BECB0F3}" type="slidenum">
-              <a:rPr lang="ru-RU" smtClean="0"/>
+              <a:rPr lang="en-US" smtClean="0"/>
               <a:pPr/>
               <a:t>‹#›</a:t>
             </a:fld>
-            <a:endParaRPr lang="ru-RU" dirty="0"/>
+            <a:endParaRPr lang="en-US" dirty="0"/>
           </a:p>
         </p:txBody>
       </p:sp>
@@ -6083,7 +6083,7 @@
     </p:bodyStyle>
     <p:otherStyle>
       <a:defPPr>
-        <a:defRPr lang="ru-RU"/>
+        <a:defRPr lang="en-US"/>
       </a:defPPr>
       <a:lvl1pPr marL="0" algn="l" defTabSz="914400" rtl="0" eaLnBrk="1" latinLnBrk="0" hangingPunct="1">
         <a:defRPr sz="1800" kern="1200">
@@ -6199,7 +6199,7 @@
       </p:grpSpPr>
       <p:sp>
         <p:nvSpPr>
-          <p:cNvPr id="8" name="Текст 7"/>
+          <p:cNvPr id="8" name="Text Placeholder 7"/>
           <p:cNvSpPr>
             <a:spLocks noGrp="1"/>
           </p:cNvSpPr>
@@ -6212,13 +6212,13 @@
           <a:bodyPr/>
           <a:lstStyle/>
           <a:p>
-            <a:endParaRPr lang="ru-RU"/>
+            <a:endParaRPr lang="en-US"/>
           </a:p>
         </p:txBody>
       </p:sp>
       <p:sp>
         <p:nvSpPr>
-          <p:cNvPr id="7" name="Заголовок 6"/>
+          <p:cNvPr id="7" name="Title 6"/>
           <p:cNvSpPr>
             <a:spLocks noGrp="1"/>
           </p:cNvSpPr>
@@ -6231,7 +6231,7 @@
           <a:bodyPr/>
           <a:lstStyle/>
           <a:p>
-            <a:endParaRPr lang="ru-RU"/>
+            <a:endParaRPr lang="en-US"/>
           </a:p>
         </p:txBody>
       </p:sp>
@@ -6296,7 +6296,7 @@
         <a:srgbClr val="969696"/>
       </a:folHlink>
     </a:clrScheme>
-    <a:fontScheme name="Классическая 2">
+    <a:fontScheme name="Classic 2">
       <a:majorFont>
         <a:latin typeface="Arial"/>
         <a:ea typeface=""/>
@@ -6368,7 +6368,7 @@
         <a:font script="Geor" typeface="Sylfaen"/>
       </a:minorFont>
     </a:fontScheme>
-    <a:fmtScheme name="Стандартная">
+    <a:fmtScheme name="Standard">
       <a:fillStyleLst>
         <a:solidFill>
           <a:schemeClr val="phClr"/>
